--- a/SBA 7(a) Presentation.pptx
+++ b/SBA 7(a) Presentation.pptx
@@ -22,7 +22,13 @@
     <p:sldId id="271" r:id="rId17"/>
     <p:sldId id="274" r:id="rId18"/>
     <p:sldId id="272" r:id="rId19"/>
-    <p:sldId id="273" r:id="rId20"/>
+    <p:sldId id="275" r:id="rId20"/>
+    <p:sldId id="276" r:id="rId21"/>
+    <p:sldId id="273" r:id="rId22"/>
+    <p:sldId id="277" r:id="rId23"/>
+    <p:sldId id="278" r:id="rId24"/>
+    <p:sldId id="279" r:id="rId25"/>
+    <p:sldId id="280" r:id="rId26"/>
   </p:sldIdLst>
   <p:sldSz cx="12192000" cy="6858000"/>
   <p:notesSz cx="6858000" cy="9144000"/>
@@ -3487,7 +3493,7 @@
                 <a:cs typeface="Arial" panose="020B0704020202020204" pitchFamily="34" charset="0"/>
                 <a:sym typeface="+mn-ea"/>
               </a:rPr>
-              <a:t>Delaware as highest and Kentucky lowest </a:t>
+              <a:t>Delaware highest and Kentucky lowest </a:t>
             </a:r>
             <a:endParaRPr lang="en-US" sz="1800">
               <a:latin typeface="Arial" panose="020B0704020202020204" pitchFamily="34" charset="0"/>
@@ -3564,8 +3570,8 @@
         </p:nvSpPr>
         <p:spPr>
           <a:xfrm>
-            <a:off x="413385" y="1080770"/>
-            <a:ext cx="11377295" cy="4696460"/>
+            <a:off x="413385" y="1447800"/>
+            <a:ext cx="11377295" cy="3962400"/>
           </a:xfrm>
         </p:spPr>
         <p:txBody>
@@ -4738,7 +4744,12 @@
             <p:ph type="title"/>
           </p:nvPr>
         </p:nvSpPr>
-        <p:spPr/>
+        <p:spPr>
+          <a:xfrm>
+            <a:off x="399415" y="150495"/>
+            <a:ext cx="11425555" cy="1325880"/>
+          </a:xfrm>
+        </p:spPr>
         <p:txBody>
           <a:bodyPr/>
           <a:p>
@@ -4748,7 +4759,7 @@
                 <a:latin typeface="Arial Bold" panose="020B0704020202020204" charset="0"/>
                 <a:cs typeface="Arial Bold" panose="020B0704020202020204" charset="0"/>
               </a:rPr>
-              <a:t>Key Drivers of Default</a:t>
+              <a:t>Model performance</a:t>
             </a:r>
             <a:endParaRPr lang="en-US" b="1">
               <a:latin typeface="Arial Bold" panose="020B0704020202020204" charset="0"/>
@@ -4769,19 +4780,299 @@
         </p:nvSpPr>
         <p:spPr>
           <a:xfrm>
-            <a:off x="838200" y="2174240"/>
-            <a:ext cx="10515600" cy="2509520"/>
+            <a:off x="398780" y="1248410"/>
+            <a:ext cx="11426190" cy="5282565"/>
           </a:xfrm>
         </p:spPr>
         <p:txBody>
+          <a:bodyPr>
+            <a:normAutofit/>
+          </a:bodyPr>
+          <a:p>
+            <a:pPr marL="0" indent="0">
+              <a:buNone/>
+            </a:pPr>
+            <a:r>
+              <a:rPr lang="en-US" sz="2000" b="1">
+                <a:latin typeface="Arial Bold" panose="020B0704020202020204" charset="0"/>
+                <a:cs typeface="Arial Bold" panose="020B0704020202020204" charset="0"/>
+              </a:rPr>
+              <a:t>Model performance without Hyperparameter Tuning</a:t>
+            </a:r>
+            <a:endParaRPr lang="en-US" sz="2000" b="1">
+              <a:latin typeface="Arial Bold" panose="020B0704020202020204" charset="0"/>
+              <a:cs typeface="Arial Bold" panose="020B0704020202020204" charset="0"/>
+            </a:endParaRPr>
+          </a:p>
+          <a:p>
+            <a:pPr marL="0" indent="0">
+              <a:buNone/>
+            </a:pPr>
+            <a:endParaRPr lang="en-US" sz="2000" b="1">
+              <a:latin typeface="Arial Bold" panose="020B0704020202020204" charset="0"/>
+              <a:cs typeface="Arial Bold" panose="020B0704020202020204" charset="0"/>
+            </a:endParaRPr>
+          </a:p>
+          <a:p>
+            <a:pPr marL="0" indent="0">
+              <a:buNone/>
+            </a:pPr>
+            <a:endParaRPr lang="en-US" sz="2000" b="1">
+              <a:latin typeface="Arial Bold" panose="020B0704020202020204" charset="0"/>
+              <a:cs typeface="Arial Bold" panose="020B0704020202020204" charset="0"/>
+            </a:endParaRPr>
+          </a:p>
+          <a:p>
+            <a:pPr marL="0" indent="0">
+              <a:buNone/>
+            </a:pPr>
+            <a:endParaRPr lang="en-US" sz="2000" b="1">
+              <a:latin typeface="Arial Bold" panose="020B0704020202020204" charset="0"/>
+              <a:cs typeface="Arial Bold" panose="020B0704020202020204" charset="0"/>
+            </a:endParaRPr>
+          </a:p>
+          <a:p>
+            <a:pPr marL="0" indent="0">
+              <a:buNone/>
+            </a:pPr>
+            <a:endParaRPr lang="en-US" sz="2000" b="1">
+              <a:latin typeface="Arial Bold" panose="020B0704020202020204" charset="0"/>
+              <a:cs typeface="Arial Bold" panose="020B0704020202020204" charset="0"/>
+            </a:endParaRPr>
+          </a:p>
+          <a:p>
+            <a:pPr marL="0" indent="0">
+              <a:buNone/>
+            </a:pPr>
+            <a:endParaRPr lang="en-US" sz="2000" b="1">
+              <a:latin typeface="Arial Bold" panose="020B0704020202020204" charset="0"/>
+              <a:cs typeface="Arial Bold" panose="020B0704020202020204" charset="0"/>
+            </a:endParaRPr>
+          </a:p>
+          <a:p>
+            <a:pPr marL="0" indent="0">
+              <a:buNone/>
+            </a:pPr>
+            <a:endParaRPr lang="en-US" sz="2000" b="1">
+              <a:latin typeface="Arial Bold" panose="020B0704020202020204" charset="0"/>
+              <a:cs typeface="Arial Bold" panose="020B0704020202020204" charset="0"/>
+            </a:endParaRPr>
+          </a:p>
+          <a:p>
+            <a:pPr marL="0" indent="0">
+              <a:buNone/>
+            </a:pPr>
+            <a:endParaRPr lang="en-US" sz="2000" b="1">
+              <a:latin typeface="Arial Bold" panose="020B0704020202020204" charset="0"/>
+              <a:cs typeface="Arial Bold" panose="020B0704020202020204" charset="0"/>
+            </a:endParaRPr>
+          </a:p>
+          <a:p>
+            <a:r>
+              <a:rPr lang="en-US" sz="2000">
+                <a:latin typeface="Arial" panose="020B0704020202020204" pitchFamily="34" charset="0"/>
+                <a:cs typeface="Arial" panose="020B0704020202020204" pitchFamily="34" charset="0"/>
+              </a:rPr>
+              <a:t>The models were evaluated using ROC-AUC scores</a:t>
+            </a:r>
+            <a:endParaRPr lang="en-US" sz="2000">
+              <a:latin typeface="Arial" panose="020B0704020202020204" pitchFamily="34" charset="0"/>
+              <a:cs typeface="Arial" panose="020B0704020202020204" pitchFamily="34" charset="0"/>
+            </a:endParaRPr>
+          </a:p>
+          <a:p>
+            <a:r>
+              <a:rPr lang="en-US" sz="2000">
+                <a:latin typeface="Arial" panose="020B0704020202020204" pitchFamily="34" charset="0"/>
+                <a:cs typeface="Arial" panose="020B0704020202020204" pitchFamily="34" charset="0"/>
+              </a:rPr>
+              <a:t>The models scored similarly on training and test data - </a:t>
+            </a:r>
+            <a:r>
+              <a:rPr lang="en-US" sz="2000" b="1">
+                <a:latin typeface="Arial Bold" panose="020B0704020202020204" charset="0"/>
+                <a:cs typeface="Arial Bold" panose="020B0704020202020204" charset="0"/>
+              </a:rPr>
+              <a:t>No Overfitting</a:t>
+            </a:r>
+            <a:endParaRPr lang="en-US" sz="2000" b="1">
+              <a:latin typeface="Arial Bold" panose="020B0704020202020204" charset="0"/>
+              <a:cs typeface="Arial Bold" panose="020B0704020202020204" charset="0"/>
+            </a:endParaRPr>
+          </a:p>
+          <a:p>
+            <a:r>
+              <a:rPr lang="en-US" sz="2000">
+                <a:latin typeface="Arial" panose="020B0704020202020204" pitchFamily="34" charset="0"/>
+                <a:cs typeface="Arial" panose="020B0704020202020204" pitchFamily="34" charset="0"/>
+              </a:rPr>
+              <a:t>The Weighted Ensemble of the two models scored the highted AUC score</a:t>
+            </a:r>
+            <a:endParaRPr lang="en-US" sz="2000">
+              <a:latin typeface="Arial" panose="020B0704020202020204" pitchFamily="34" charset="0"/>
+              <a:cs typeface="Arial" panose="020B0704020202020204" pitchFamily="34" charset="0"/>
+            </a:endParaRPr>
+          </a:p>
+        </p:txBody>
+      </p:sp>
+      <p:pic>
+        <p:nvPicPr>
+          <p:cNvPr id="7" name="Picture 6"/>
+          <p:cNvPicPr>
+            <a:picLocks noChangeAspect="1"/>
+          </p:cNvPicPr>
+          <p:nvPr/>
+        </p:nvPicPr>
+        <p:blipFill>
+          <a:blip r:embed="rId1"/>
+          <a:stretch>
+            <a:fillRect/>
+          </a:stretch>
+        </p:blipFill>
+        <p:spPr>
+          <a:xfrm>
+            <a:off x="2091690" y="1866900"/>
+            <a:ext cx="8041005" cy="2086610"/>
+          </a:xfrm>
+          <a:prstGeom prst="rect">
+            <a:avLst/>
+          </a:prstGeom>
+        </p:spPr>
+      </p:pic>
+    </p:spTree>
+  </p:cSld>
+  <p:clrMapOvr>
+    <a:masterClrMapping/>
+  </p:clrMapOvr>
+</p:sld>
+</file>
+
+<file path=ppt/slides/slide19.xml><?xml version="1.0" encoding="utf-8"?>
+<p:sld xmlns:a="http://schemas.openxmlformats.org/drawingml/2006/main" xmlns:r="http://schemas.openxmlformats.org/officeDocument/2006/relationships" xmlns:p="http://schemas.openxmlformats.org/presentationml/2006/main">
+  <p:cSld>
+    <p:bg>
+      <p:bgPr>
+        <a:solidFill>
+          <a:schemeClr val="tx2">
+            <a:lumMod val="40000"/>
+            <a:lumOff val="60000"/>
+          </a:schemeClr>
+        </a:solidFill>
+        <a:effectLst/>
+      </p:bgPr>
+    </p:bg>
+    <p:spTree>
+      <p:nvGrpSpPr>
+        <p:cNvPr id="1" name=""/>
+        <p:cNvGrpSpPr/>
+        <p:nvPr/>
+      </p:nvGrpSpPr>
+      <p:grpSpPr/>
+      <p:sp>
+        <p:nvSpPr>
+          <p:cNvPr id="3" name="Content Placeholder 2"/>
+          <p:cNvSpPr>
+            <a:spLocks noGrp="1"/>
+          </p:cNvSpPr>
+          <p:nvPr>
+            <p:ph idx="1"/>
+          </p:nvPr>
+        </p:nvSpPr>
+        <p:spPr>
+          <a:xfrm>
+            <a:off x="409575" y="1156970"/>
+            <a:ext cx="11260455" cy="4544060"/>
+          </a:xfrm>
+        </p:spPr>
+        <p:txBody>
           <a:bodyPr/>
+          <a:p>
+            <a:pPr marL="0" indent="0" algn="l">
+              <a:buNone/>
+            </a:pPr>
+            <a:r>
+              <a:rPr lang="en-US" sz="2000" b="1">
+                <a:latin typeface="Arial Bold" panose="020B0704020202020204" charset="0"/>
+                <a:cs typeface="Arial Bold" panose="020B0704020202020204" charset="0"/>
+                <a:sym typeface="+mn-ea"/>
+              </a:rPr>
+              <a:t>Model performance with Hyperparameter Tuning</a:t>
+            </a:r>
+            <a:endParaRPr lang="en-US" sz="2000" b="1">
+              <a:latin typeface="Arial Bold" panose="020B0704020202020204" charset="0"/>
+              <a:cs typeface="Arial Bold" panose="020B0704020202020204" charset="0"/>
+            </a:endParaRPr>
+          </a:p>
+          <a:p>
+            <a:pPr marL="0" indent="0">
+              <a:buNone/>
+            </a:pPr>
+            <a:endParaRPr lang="en-US" sz="2000">
+              <a:latin typeface="Arial Regular" panose="020B0704020202020204" charset="0"/>
+              <a:cs typeface="Arial Regular" panose="020B0704020202020204" charset="0"/>
+            </a:endParaRPr>
+          </a:p>
+          <a:p>
+            <a:pPr marL="0" indent="0">
+              <a:buNone/>
+            </a:pPr>
+            <a:endParaRPr lang="en-US" sz="2000">
+              <a:latin typeface="Arial Regular" panose="020B0704020202020204" charset="0"/>
+              <a:cs typeface="Arial Regular" panose="020B0704020202020204" charset="0"/>
+            </a:endParaRPr>
+          </a:p>
+          <a:p>
+            <a:pPr marL="0" indent="0">
+              <a:buNone/>
+            </a:pPr>
+            <a:endParaRPr lang="en-US" sz="2000">
+              <a:latin typeface="Arial Regular" panose="020B0704020202020204" charset="0"/>
+              <a:cs typeface="Arial Regular" panose="020B0704020202020204" charset="0"/>
+            </a:endParaRPr>
+          </a:p>
+          <a:p>
+            <a:pPr marL="0" indent="0">
+              <a:buNone/>
+            </a:pPr>
+            <a:endParaRPr lang="en-US" sz="2000">
+              <a:latin typeface="Arial Regular" panose="020B0704020202020204" charset="0"/>
+              <a:cs typeface="Arial Regular" panose="020B0704020202020204" charset="0"/>
+            </a:endParaRPr>
+          </a:p>
+          <a:p>
+            <a:pPr marL="0" indent="0">
+              <a:buNone/>
+            </a:pPr>
+            <a:endParaRPr lang="en-US" sz="2000">
+              <a:latin typeface="Arial Regular" panose="020B0704020202020204" charset="0"/>
+              <a:cs typeface="Arial Regular" panose="020B0704020202020204" charset="0"/>
+            </a:endParaRPr>
+          </a:p>
+          <a:p>
+            <a:pPr marL="0" indent="0">
+              <a:buNone/>
+            </a:pPr>
+            <a:endParaRPr lang="en-US" sz="2000">
+              <a:latin typeface="Arial Regular" panose="020B0704020202020204" charset="0"/>
+              <a:cs typeface="Arial Regular" panose="020B0704020202020204" charset="0"/>
+            </a:endParaRPr>
+          </a:p>
+          <a:p>
+            <a:pPr marL="0" indent="0">
+              <a:buNone/>
+            </a:pPr>
+            <a:endParaRPr lang="en-US" sz="2000">
+              <a:latin typeface="Arial Regular" panose="020B0704020202020204" charset="0"/>
+              <a:cs typeface="Arial Regular" panose="020B0704020202020204" charset="0"/>
+            </a:endParaRPr>
+          </a:p>
           <a:p>
             <a:r>
               <a:rPr lang="en-US" sz="2000">
                 <a:latin typeface="Arial Regular" panose="020B0704020202020204" charset="0"/>
                 <a:cs typeface="Arial Regular" panose="020B0704020202020204" charset="0"/>
               </a:rPr>
-              <a:t>Loans approved in Q3 of a fiscal year</a:t>
+              <a:t>After hyperparmeter tuning there were still no signs of overfitting</a:t>
             </a:r>
             <a:endParaRPr lang="en-US" sz="2000">
               <a:latin typeface="Arial Regular" panose="020B0704020202020204" charset="0"/>
@@ -4794,78 +5085,39 @@
                 <a:latin typeface="Arial Regular" panose="020B0704020202020204" charset="0"/>
                 <a:cs typeface="Arial Regular" panose="020B0704020202020204" charset="0"/>
               </a:rPr>
-              <a:t>Loan amounts less than $500,000 or between $3.5M - $4.5M</a:t>
-            </a:r>
-            <a:endParaRPr lang="en-US" sz="2000">
-              <a:latin typeface="Arial Regular" panose="020B0704020202020204" charset="0"/>
-              <a:cs typeface="Arial Regular" panose="020B0704020202020204" charset="0"/>
-            </a:endParaRPr>
-          </a:p>
-          <a:p>
-            <a:r>
-              <a:rPr lang="en-US" sz="2000">
-                <a:latin typeface="Arial Regular" panose="020B0704020202020204" charset="0"/>
-                <a:cs typeface="Arial Regular" panose="020B0704020202020204" charset="0"/>
-              </a:rPr>
-              <a:t>Projects from the southeast US have higher default rate</a:t>
-            </a:r>
-            <a:endParaRPr lang="en-US" sz="2000">
-              <a:latin typeface="Arial Regular" panose="020B0704020202020204" charset="0"/>
-              <a:cs typeface="Arial Regular" panose="020B0704020202020204" charset="0"/>
-            </a:endParaRPr>
-          </a:p>
-          <a:p>
-            <a:r>
-              <a:rPr lang="en-US" sz="2000">
-                <a:latin typeface="Arial Regular" panose="020B0704020202020204" charset="0"/>
-                <a:cs typeface="Arial Regular" panose="020B0704020202020204" charset="0"/>
-              </a:rPr>
-              <a:t>Individual business tends to default the most</a:t>
-            </a:r>
-            <a:endParaRPr lang="en-US" sz="2000">
-              <a:latin typeface="Arial Regular" panose="020B0704020202020204" charset="0"/>
-              <a:cs typeface="Arial Regular" panose="020B0704020202020204" charset="0"/>
-            </a:endParaRPr>
-          </a:p>
-          <a:p>
-            <a:r>
-              <a:rPr lang="en-US" sz="2000">
-                <a:latin typeface="Arial Regular" panose="020B0704020202020204" charset="0"/>
-                <a:cs typeface="Arial Regular" panose="020B0704020202020204" charset="0"/>
-              </a:rPr>
-              <a:t>Loans with interest rate greater than 10% have higher default rates</a:t>
-            </a:r>
-            <a:endParaRPr lang="en-US" sz="2000">
-              <a:latin typeface="Arial Regular" panose="020B0704020202020204" charset="0"/>
-              <a:cs typeface="Arial Regular" panose="020B0704020202020204" charset="0"/>
-            </a:endParaRPr>
-          </a:p>
-          <a:p>
-            <a:endParaRPr lang="en-US" sz="2000">
-              <a:latin typeface="Arial Regular" panose="020B0704020202020204" charset="0"/>
-              <a:cs typeface="Arial Regular" panose="020B0704020202020204" charset="0"/>
-            </a:endParaRPr>
-          </a:p>
-          <a:p>
-            <a:endParaRPr lang="en-US" sz="2000">
-              <a:latin typeface="Arial Regular" panose="020B0704020202020204" charset="0"/>
-              <a:cs typeface="Arial Regular" panose="020B0704020202020204" charset="0"/>
-            </a:endParaRPr>
-          </a:p>
-          <a:p>
-            <a:endParaRPr lang="en-US" sz="2000">
-              <a:latin typeface="Arial Regular" panose="020B0704020202020204" charset="0"/>
-              <a:cs typeface="Arial Regular" panose="020B0704020202020204" charset="0"/>
-            </a:endParaRPr>
-          </a:p>
-          <a:p>
-            <a:endParaRPr lang="en-US" sz="2000">
-              <a:latin typeface="Arial Regular" panose="020B0704020202020204" charset="0"/>
-              <a:cs typeface="Arial Regular" panose="020B0704020202020204" charset="0"/>
-            </a:endParaRPr>
-          </a:p>
-        </p:txBody>
-      </p:sp>
+              <a:t>Out of the three models the Weighted Ensemble of XGBoost and Logistic Regression scored the highest (AUC score - ~0.8590)</a:t>
+            </a:r>
+            <a:endParaRPr lang="en-US" sz="2000">
+              <a:latin typeface="Arial Regular" panose="020B0704020202020204" charset="0"/>
+              <a:cs typeface="Arial Regular" panose="020B0704020202020204" charset="0"/>
+            </a:endParaRPr>
+          </a:p>
+        </p:txBody>
+      </p:sp>
+      <p:pic>
+        <p:nvPicPr>
+          <p:cNvPr id="4" name="Picture 3"/>
+          <p:cNvPicPr>
+            <a:picLocks noChangeAspect="1"/>
+          </p:cNvPicPr>
+          <p:nvPr/>
+        </p:nvPicPr>
+        <p:blipFill>
+          <a:blip r:embed="rId1"/>
+          <a:stretch>
+            <a:fillRect/>
+          </a:stretch>
+        </p:blipFill>
+        <p:spPr>
+          <a:xfrm>
+            <a:off x="1434465" y="1921510"/>
+            <a:ext cx="9323070" cy="2088515"/>
+          </a:xfrm>
+          <a:prstGeom prst="rect">
+            <a:avLst/>
+          </a:prstGeom>
+        </p:spPr>
+      </p:pic>
     </p:spTree>
   </p:cSld>
   <p:clrMapOvr>
@@ -4905,10 +5157,16 @@
             <p:ph type="title"/>
           </p:nvPr>
         </p:nvSpPr>
-        <p:spPr/>
+        <p:spPr>
+          <a:xfrm>
+            <a:off x="481965" y="365125"/>
+            <a:ext cx="11274425" cy="1325880"/>
+          </a:xfrm>
+        </p:spPr>
         <p:txBody>
           <a:bodyPr/>
           <a:p>
+            <a:pPr algn="ctr"/>
             <a:r>
               <a:rPr lang="en-US" b="1">
                 <a:latin typeface="Arial Bold" panose="020B0704020202020204" charset="0"/>
@@ -4941,7 +5199,7 @@
         </p:spPr>
         <p:txBody>
           <a:bodyPr>
-            <a:normAutofit fontScale="90000"/>
+            <a:normAutofit/>
           </a:bodyPr>
           <a:p>
             <a:pPr lvl="0" algn="l" fontAlgn="auto">
@@ -4950,13 +5208,13 @@
               </a:spcAft>
             </a:pPr>
             <a:r>
-              <a:rPr lang="en-US" sz="3110">
+              <a:rPr lang="en-US" sz="2400">
                 <a:latin typeface="Arial Regular" panose="020B0704020202020204" charset="0"/>
                 <a:cs typeface="Arial Regular" panose="020B0704020202020204" charset="0"/>
               </a:rPr>
               <a:t>The business problem addressed here is to identify loans with high probability of default and assess underlying risks using historical data</a:t>
             </a:r>
-            <a:endParaRPr lang="en-US" sz="3110">
+            <a:endParaRPr lang="en-US" sz="2400">
               <a:latin typeface="Arial Regular" panose="020B0704020202020204" charset="0"/>
               <a:cs typeface="Arial Regular" panose="020B0704020202020204" charset="0"/>
             </a:endParaRPr>
@@ -4967,7 +5225,7 @@
                 <a:spcPts val="600"/>
               </a:spcAft>
             </a:pPr>
-            <a:endParaRPr lang="en-US" sz="3110">
+            <a:endParaRPr lang="en-US" sz="2400">
               <a:latin typeface="Arial Regular" panose="020B0704020202020204" charset="0"/>
               <a:cs typeface="Arial Regular" panose="020B0704020202020204" charset="0"/>
             </a:endParaRPr>
@@ -4979,15 +5237,15 @@
               </a:spcAft>
             </a:pPr>
             <a:r>
-              <a:rPr lang="en-US" sz="3110">
-                <a:latin typeface="Arial" panose="020B0704020202020204" pitchFamily="34" charset="0"/>
-                <a:cs typeface="Arial" panose="020B0704020202020204" pitchFamily="34" charset="0"/>
+              <a:rPr lang="en-US" sz="2400">
+                <a:latin typeface="Arial Regular" panose="020B0704020202020204" charset="0"/>
+                <a:cs typeface="Arial Regular" panose="020B0704020202020204" charset="0"/>
               </a:rPr>
               <a:t>We arrive at a data driven solution using the below given steps:</a:t>
             </a:r>
-            <a:endParaRPr lang="en-US" sz="3110">
-              <a:latin typeface="Arial" panose="020B0704020202020204" pitchFamily="34" charset="0"/>
-              <a:cs typeface="Arial" panose="020B0704020202020204" pitchFamily="34" charset="0"/>
+            <a:endParaRPr lang="en-US" sz="2400">
+              <a:latin typeface="Arial Regular" panose="020B0704020202020204" charset="0"/>
+              <a:cs typeface="Arial Regular" panose="020B0704020202020204" charset="0"/>
             </a:endParaRPr>
           </a:p>
           <a:p>
@@ -4997,15 +5255,15 @@
               </a:spcAft>
             </a:pPr>
             <a:r>
-              <a:rPr lang="en-US" sz="2665" b="1">
-                <a:latin typeface="Arial Bold" panose="020B0704020202020204" charset="0"/>
-                <a:cs typeface="Arial Bold" panose="020B0704020202020204" charset="0"/>
+              <a:rPr lang="en-US" sz="2400">
+                <a:latin typeface="Arial Regular" panose="020B0704020202020204" charset="0"/>
+                <a:cs typeface="Arial Regular" panose="020B0704020202020204" charset="0"/>
               </a:rPr>
               <a:t>Exploratory Data Analysis (EDA)</a:t>
             </a:r>
-            <a:endParaRPr lang="en-US" sz="2665" b="1">
-              <a:latin typeface="Arial Bold" panose="020B0704020202020204" charset="0"/>
-              <a:cs typeface="Arial Bold" panose="020B0704020202020204" charset="0"/>
+            <a:endParaRPr lang="en-US" sz="2400">
+              <a:latin typeface="Arial Regular" panose="020B0704020202020204" charset="0"/>
+              <a:cs typeface="Arial Regular" panose="020B0704020202020204" charset="0"/>
             </a:endParaRPr>
           </a:p>
           <a:p>
@@ -5015,15 +5273,15 @@
               </a:spcAft>
             </a:pPr>
             <a:r>
-              <a:rPr lang="en-US" sz="2665" b="1">
-                <a:latin typeface="Arial Bold" panose="020B0704020202020204" charset="0"/>
-                <a:cs typeface="Arial Bold" panose="020B0704020202020204" charset="0"/>
+              <a:rPr lang="en-US" sz="2400">
+                <a:latin typeface="Arial Regular" panose="020B0704020202020204" charset="0"/>
+                <a:cs typeface="Arial Regular" panose="020B0704020202020204" charset="0"/>
               </a:rPr>
               <a:t>Data Wrangling and Feature Selection</a:t>
             </a:r>
-            <a:endParaRPr lang="en-US" sz="2665" b="1">
-              <a:latin typeface="Arial Bold" panose="020B0704020202020204" charset="0"/>
-              <a:cs typeface="Arial Bold" panose="020B0704020202020204" charset="0"/>
+            <a:endParaRPr lang="en-US" sz="2400">
+              <a:latin typeface="Arial Regular" panose="020B0704020202020204" charset="0"/>
+              <a:cs typeface="Arial Regular" panose="020B0704020202020204" charset="0"/>
             </a:endParaRPr>
           </a:p>
           <a:p>
@@ -5033,15 +5291,883 @@
               </a:spcAft>
             </a:pPr>
             <a:r>
-              <a:rPr lang="en-US" sz="2665" b="1">
+              <a:rPr lang="en-US" sz="2400">
+                <a:latin typeface="Arial Regular" panose="020B0704020202020204" charset="0"/>
+                <a:cs typeface="Arial Regular" panose="020B0704020202020204" charset="0"/>
+              </a:rPr>
+              <a:t>Model building and Evaluation</a:t>
+            </a:r>
+            <a:endParaRPr lang="en-US" sz="2400">
+              <a:latin typeface="Arial Regular" panose="020B0704020202020204" charset="0"/>
+              <a:cs typeface="Arial Regular" panose="020B0704020202020204" charset="0"/>
+            </a:endParaRPr>
+          </a:p>
+        </p:txBody>
+      </p:sp>
+    </p:spTree>
+  </p:cSld>
+  <p:clrMapOvr>
+    <a:masterClrMapping/>
+  </p:clrMapOvr>
+</p:sld>
+</file>
+
+<file path=ppt/slides/slide20.xml><?xml version="1.0" encoding="utf-8"?>
+<p:sld xmlns:a="http://schemas.openxmlformats.org/drawingml/2006/main" xmlns:r="http://schemas.openxmlformats.org/officeDocument/2006/relationships" xmlns:p="http://schemas.openxmlformats.org/presentationml/2006/main">
+  <p:cSld>
+    <p:bg>
+      <p:bgPr>
+        <a:solidFill>
+          <a:schemeClr val="tx2">
+            <a:lumMod val="40000"/>
+            <a:lumOff val="60000"/>
+          </a:schemeClr>
+        </a:solidFill>
+        <a:effectLst/>
+      </p:bgPr>
+    </p:bg>
+    <p:spTree>
+      <p:nvGrpSpPr>
+        <p:cNvPr id="1" name=""/>
+        <p:cNvGrpSpPr/>
+        <p:nvPr/>
+      </p:nvGrpSpPr>
+      <p:grpSpPr/>
+      <p:sp>
+        <p:nvSpPr>
+          <p:cNvPr id="2" name="Title 1"/>
+          <p:cNvSpPr>
+            <a:spLocks noGrp="1"/>
+          </p:cNvSpPr>
+          <p:nvPr>
+            <p:ph type="title"/>
+          </p:nvPr>
+        </p:nvSpPr>
+        <p:spPr>
+          <a:xfrm>
+            <a:off x="352425" y="0"/>
+            <a:ext cx="11532235" cy="1167765"/>
+          </a:xfrm>
+        </p:spPr>
+        <p:txBody>
+          <a:bodyPr/>
+          <a:p>
+            <a:pPr algn="ctr"/>
+            <a:r>
+              <a:rPr lang="en-US" b="1">
                 <a:latin typeface="Arial Bold" panose="020B0704020202020204" charset="0"/>
                 <a:cs typeface="Arial Bold" panose="020B0704020202020204" charset="0"/>
               </a:rPr>
-              <a:t>Model building and Evaluation</a:t>
-            </a:r>
-            <a:endParaRPr lang="en-US">
-              <a:latin typeface="Arial Regular" panose="020B0704020202020204" charset="0"/>
-              <a:cs typeface="Arial Regular" panose="020B0704020202020204" charset="0"/>
+              <a:t>Key Drivers of Default</a:t>
+            </a:r>
+            <a:endParaRPr lang="en-US" b="1">
+              <a:latin typeface="Arial Bold" panose="020B0704020202020204" charset="0"/>
+              <a:cs typeface="Arial Bold" panose="020B0704020202020204" charset="0"/>
+            </a:endParaRPr>
+          </a:p>
+        </p:txBody>
+      </p:sp>
+      <p:sp>
+        <p:nvSpPr>
+          <p:cNvPr id="3" name="Content Placeholder 2"/>
+          <p:cNvSpPr>
+            <a:spLocks noGrp="1"/>
+          </p:cNvSpPr>
+          <p:nvPr>
+            <p:ph idx="1"/>
+          </p:nvPr>
+        </p:nvSpPr>
+        <p:spPr>
+          <a:xfrm>
+            <a:off x="352425" y="999490"/>
+            <a:ext cx="11532235" cy="5424805"/>
+          </a:xfrm>
+        </p:spPr>
+        <p:txBody>
+          <a:bodyPr>
+            <a:normAutofit/>
+          </a:bodyPr>
+          <a:p>
+            <a:pPr marL="0" indent="0">
+              <a:lnSpc>
+                <a:spcPct val="150000"/>
+              </a:lnSpc>
+              <a:buNone/>
+            </a:pPr>
+            <a:r>
+              <a:rPr lang="en-US" sz="2000" b="1">
+                <a:latin typeface="Arial Bold" panose="020B0704020202020204" charset="0"/>
+                <a:cs typeface="Arial Bold" panose="020B0704020202020204" charset="0"/>
+              </a:rPr>
+              <a:t>From Exploratory Analysis:</a:t>
+            </a:r>
+            <a:endParaRPr lang="en-US" sz="2000">
+              <a:latin typeface="Arial Regular" panose="020B0704020202020204" charset="0"/>
+              <a:cs typeface="Arial Regular" panose="020B0704020202020204" charset="0"/>
+            </a:endParaRPr>
+          </a:p>
+          <a:p>
+            <a:pPr>
+              <a:lnSpc>
+                <a:spcPct val="150000"/>
+              </a:lnSpc>
+            </a:pPr>
+            <a:r>
+              <a:rPr lang="en-US" sz="2000">
+                <a:latin typeface="Arial Regular" panose="020B0704020202020204" charset="0"/>
+                <a:cs typeface="Arial Regular" panose="020B0704020202020204" charset="0"/>
+              </a:rPr>
+              <a:t>Loan amounts less than $500,000 </a:t>
+            </a:r>
+            <a:endParaRPr lang="en-US" sz="2000">
+              <a:latin typeface="Arial Regular" panose="020B0704020202020204" charset="0"/>
+              <a:cs typeface="Arial Regular" panose="020B0704020202020204" charset="0"/>
+            </a:endParaRPr>
+          </a:p>
+          <a:p>
+            <a:pPr>
+              <a:lnSpc>
+                <a:spcPct val="150000"/>
+              </a:lnSpc>
+            </a:pPr>
+            <a:r>
+              <a:rPr lang="en-US" sz="2000">
+                <a:latin typeface="Arial Regular" panose="020B0704020202020204" charset="0"/>
+                <a:cs typeface="Arial Regular" panose="020B0704020202020204" charset="0"/>
+              </a:rPr>
+              <a:t>Projects from the south and southeast US</a:t>
+            </a:r>
+            <a:endParaRPr lang="en-US" sz="2000">
+              <a:latin typeface="Arial Regular" panose="020B0704020202020204" charset="0"/>
+              <a:cs typeface="Arial Regular" panose="020B0704020202020204" charset="0"/>
+            </a:endParaRPr>
+          </a:p>
+          <a:p>
+            <a:pPr>
+              <a:lnSpc>
+                <a:spcPct val="150000"/>
+              </a:lnSpc>
+            </a:pPr>
+            <a:r>
+              <a:rPr lang="en-US" sz="2000">
+                <a:latin typeface="Arial Regular" panose="020B0704020202020204" charset="0"/>
+                <a:cs typeface="Arial Regular" panose="020B0704020202020204" charset="0"/>
+              </a:rPr>
+              <a:t>Individual business tends to default the most</a:t>
+            </a:r>
+            <a:endParaRPr lang="en-US" sz="2000">
+              <a:latin typeface="Arial Regular" panose="020B0704020202020204" charset="0"/>
+              <a:cs typeface="Arial Regular" panose="020B0704020202020204" charset="0"/>
+            </a:endParaRPr>
+          </a:p>
+          <a:p>
+            <a:pPr>
+              <a:lnSpc>
+                <a:spcPct val="150000"/>
+              </a:lnSpc>
+            </a:pPr>
+            <a:r>
+              <a:rPr lang="en-US" sz="2000">
+                <a:latin typeface="Arial Regular" panose="020B0704020202020204" charset="0"/>
+                <a:cs typeface="Arial Regular" panose="020B0704020202020204" charset="0"/>
+              </a:rPr>
+              <a:t>Loans with interest rate greater than 10%</a:t>
+            </a:r>
+            <a:endParaRPr lang="en-US" sz="2000">
+              <a:latin typeface="Arial Regular" panose="020B0704020202020204" charset="0"/>
+              <a:cs typeface="Arial Regular" panose="020B0704020202020204" charset="0"/>
+            </a:endParaRPr>
+          </a:p>
+          <a:p>
+            <a:pPr marL="0" indent="0">
+              <a:lnSpc>
+                <a:spcPct val="150000"/>
+              </a:lnSpc>
+              <a:spcBef>
+                <a:spcPts val="2000"/>
+              </a:spcBef>
+              <a:spcAft>
+                <a:spcPts val="0"/>
+              </a:spcAft>
+              <a:buNone/>
+            </a:pPr>
+            <a:r>
+              <a:rPr lang="en-US" sz="2000" b="1">
+                <a:latin typeface="Arial Bold" panose="020B0704020202020204" charset="0"/>
+                <a:cs typeface="Arial Bold" panose="020B0704020202020204" charset="0"/>
+              </a:rPr>
+              <a:t>From SHAP Insights on the model:</a:t>
+            </a:r>
+            <a:endParaRPr lang="en-US" sz="2000" b="1">
+              <a:latin typeface="Arial Bold" panose="020B0704020202020204" charset="0"/>
+              <a:cs typeface="Arial Bold" panose="020B0704020202020204" charset="0"/>
+            </a:endParaRPr>
+          </a:p>
+          <a:p>
+            <a:pPr>
+              <a:lnSpc>
+                <a:spcPct val="150000"/>
+              </a:lnSpc>
+            </a:pPr>
+            <a:r>
+              <a:rPr lang="en-US" sz="2000">
+                <a:latin typeface="Arial Regular" panose="020B0704020202020204" charset="0"/>
+                <a:cs typeface="Arial Regular" panose="020B0704020202020204" charset="0"/>
+              </a:rPr>
+              <a:t>Short term loans</a:t>
+            </a:r>
+            <a:endParaRPr lang="en-US" sz="2000">
+              <a:latin typeface="Arial Regular" panose="020B0704020202020204" charset="0"/>
+              <a:cs typeface="Arial Regular" panose="020B0704020202020204" charset="0"/>
+            </a:endParaRPr>
+          </a:p>
+          <a:p>
+            <a:pPr>
+              <a:lnSpc>
+                <a:spcPct val="150000"/>
+              </a:lnSpc>
+            </a:pPr>
+            <a:r>
+              <a:rPr lang="en-US" sz="2000">
+                <a:latin typeface="Arial Regular" panose="020B0704020202020204" charset="0"/>
+                <a:cs typeface="Arial Regular" panose="020B0704020202020204" charset="0"/>
+              </a:rPr>
+              <a:t>Higher initial interest rate</a:t>
+            </a:r>
+            <a:endParaRPr lang="en-US" sz="2000">
+              <a:latin typeface="Arial Regular" panose="020B0704020202020204" charset="0"/>
+              <a:cs typeface="Arial Regular" panose="020B0704020202020204" charset="0"/>
+            </a:endParaRPr>
+          </a:p>
+          <a:p>
+            <a:pPr>
+              <a:lnSpc>
+                <a:spcPct val="150000"/>
+              </a:lnSpc>
+            </a:pPr>
+            <a:r>
+              <a:rPr lang="en-US" sz="2000">
+                <a:latin typeface="Arial Regular" panose="020B0704020202020204" charset="0"/>
+                <a:cs typeface="Arial Regular" panose="020B0704020202020204" charset="0"/>
+              </a:rPr>
+              <a:t>Long Term loans negatively affect Default rate</a:t>
+            </a:r>
+            <a:endParaRPr lang="en-US" sz="2000">
+              <a:latin typeface="Arial Regular" panose="020B0704020202020204" charset="0"/>
+              <a:cs typeface="Arial Regular" panose="020B0704020202020204" charset="0"/>
+            </a:endParaRPr>
+          </a:p>
+          <a:p>
+            <a:endParaRPr lang="en-US" sz="2000">
+              <a:latin typeface="Arial Regular" panose="020B0704020202020204" charset="0"/>
+              <a:cs typeface="Arial Regular" panose="020B0704020202020204" charset="0"/>
+            </a:endParaRPr>
+          </a:p>
+          <a:p>
+            <a:endParaRPr lang="en-US" sz="2000">
+              <a:latin typeface="Arial Regular" panose="020B0704020202020204" charset="0"/>
+              <a:cs typeface="Arial Regular" panose="020B0704020202020204" charset="0"/>
+            </a:endParaRPr>
+          </a:p>
+        </p:txBody>
+      </p:sp>
+      <p:pic>
+        <p:nvPicPr>
+          <p:cNvPr id="4" name="Picture 3"/>
+          <p:cNvPicPr>
+            <a:picLocks noChangeAspect="1"/>
+          </p:cNvPicPr>
+          <p:nvPr/>
+        </p:nvPicPr>
+        <p:blipFill>
+          <a:blip r:embed="rId1"/>
+          <a:stretch>
+            <a:fillRect/>
+          </a:stretch>
+        </p:blipFill>
+        <p:spPr>
+          <a:xfrm>
+            <a:off x="6435090" y="999490"/>
+            <a:ext cx="5449570" cy="5425440"/>
+          </a:xfrm>
+          <a:prstGeom prst="rect">
+            <a:avLst/>
+          </a:prstGeom>
+        </p:spPr>
+      </p:pic>
+    </p:spTree>
+  </p:cSld>
+  <p:clrMapOvr>
+    <a:masterClrMapping/>
+  </p:clrMapOvr>
+</p:sld>
+</file>
+
+<file path=ppt/slides/slide21.xml><?xml version="1.0" encoding="utf-8"?>
+<p:sld xmlns:a="http://schemas.openxmlformats.org/drawingml/2006/main" xmlns:r="http://schemas.openxmlformats.org/officeDocument/2006/relationships" xmlns:p="http://schemas.openxmlformats.org/presentationml/2006/main">
+  <p:cSld>
+    <p:bg>
+      <p:bgPr>
+        <a:solidFill>
+          <a:schemeClr val="tx2">
+            <a:lumMod val="40000"/>
+            <a:lumOff val="60000"/>
+          </a:schemeClr>
+        </a:solidFill>
+        <a:effectLst/>
+      </p:bgPr>
+    </p:bg>
+    <p:spTree>
+      <p:nvGrpSpPr>
+        <p:cNvPr id="1" name=""/>
+        <p:cNvGrpSpPr/>
+        <p:nvPr/>
+      </p:nvGrpSpPr>
+      <p:grpSpPr/>
+      <p:sp>
+        <p:nvSpPr>
+          <p:cNvPr id="2" name="Title 1"/>
+          <p:cNvSpPr>
+            <a:spLocks noGrp="1"/>
+          </p:cNvSpPr>
+          <p:nvPr>
+            <p:ph type="title"/>
+          </p:nvPr>
+        </p:nvSpPr>
+        <p:spPr>
+          <a:xfrm>
+            <a:off x="838200" y="365125"/>
+            <a:ext cx="10515600" cy="1325880"/>
+          </a:xfrm>
+        </p:spPr>
+        <p:txBody>
+          <a:bodyPr>
+            <a:normAutofit/>
+          </a:bodyPr>
+          <a:p>
+            <a:pPr algn="ctr"/>
+            <a:r>
+              <a:rPr lang="en-US" b="1">
+                <a:latin typeface="Arial Bold" panose="020B0704020202020204" charset="0"/>
+                <a:cs typeface="Arial Bold" panose="020B0704020202020204" charset="0"/>
+              </a:rPr>
+              <a:t>Business Recommendations</a:t>
+            </a:r>
+            <a:endParaRPr lang="en-US" b="1">
+              <a:latin typeface="Arial Bold" panose="020B0704020202020204" charset="0"/>
+              <a:cs typeface="Arial Bold" panose="020B0704020202020204" charset="0"/>
+            </a:endParaRPr>
+          </a:p>
+        </p:txBody>
+      </p:sp>
+      <p:sp>
+        <p:nvSpPr>
+          <p:cNvPr id="3" name="Content Placeholder 2"/>
+          <p:cNvSpPr>
+            <a:spLocks noGrp="1"/>
+          </p:cNvSpPr>
+          <p:nvPr>
+            <p:ph idx="1"/>
+          </p:nvPr>
+        </p:nvSpPr>
+        <p:spPr>
+          <a:xfrm>
+            <a:off x="838200" y="1691005"/>
+            <a:ext cx="10515600" cy="3460115"/>
+          </a:xfrm>
+        </p:spPr>
+        <p:txBody>
+          <a:bodyPr>
+            <a:normAutofit lnSpcReduction="20000"/>
+          </a:bodyPr>
+          <a:p>
+            <a:pPr>
+              <a:lnSpc>
+                <a:spcPct val="100000"/>
+              </a:lnSpc>
+              <a:spcAft>
+                <a:spcPts val="1000"/>
+              </a:spcAft>
+            </a:pPr>
+            <a:r>
+              <a:rPr lang="en-US" altLang="en-US" sz="2000">
+                <a:latin typeface="Arial Regular" panose="020B0704020202020204" charset="0"/>
+                <a:cs typeface="Arial Regular" panose="020B0704020202020204" charset="0"/>
+              </a:rPr>
+              <a:t>Tighten underwriting for loans under $500k especially from South and Southeast US individual businesses, requiring 20-30% higher collateral.</a:t>
+            </a:r>
+            <a:endParaRPr lang="en-US" altLang="en-US" sz="2000">
+              <a:latin typeface="Arial Regular" panose="020B0704020202020204" charset="0"/>
+              <a:cs typeface="Arial Regular" panose="020B0704020202020204" charset="0"/>
+            </a:endParaRPr>
+          </a:p>
+          <a:p>
+            <a:pPr>
+              <a:lnSpc>
+                <a:spcPct val="100000"/>
+              </a:lnSpc>
+              <a:spcAft>
+                <a:spcPts val="1000"/>
+              </a:spcAft>
+            </a:pPr>
+            <a:r>
+              <a:rPr lang="en-US" altLang="en-US" sz="2000">
+                <a:latin typeface="Arial Regular" panose="020B0704020202020204" charset="0"/>
+                <a:cs typeface="Arial Regular" panose="020B0704020202020204" charset="0"/>
+              </a:rPr>
+              <a:t>Promote longer-term loan products for qualified customers, blending with fixed interest rate options to stabilize repayments.</a:t>
+            </a:r>
+            <a:endParaRPr lang="en-US" altLang="en-US" sz="2000">
+              <a:latin typeface="Arial Regular" panose="020B0704020202020204" charset="0"/>
+              <a:cs typeface="Arial Regular" panose="020B0704020202020204" charset="0"/>
+            </a:endParaRPr>
+          </a:p>
+          <a:p>
+            <a:pPr>
+              <a:lnSpc>
+                <a:spcPct val="100000"/>
+              </a:lnSpc>
+              <a:spcAft>
+                <a:spcPts val="1000"/>
+              </a:spcAft>
+            </a:pPr>
+            <a:r>
+              <a:rPr lang="en-US" altLang="en-US" sz="2000">
+                <a:latin typeface="Arial Regular" panose="020B0704020202020204" charset="0"/>
+                <a:cs typeface="Arial Regular" panose="020B0704020202020204" charset="0"/>
+                <a:sym typeface="+mn-ea"/>
+              </a:rPr>
+              <a:t>Mandate cash-flow covenants like DSCR </a:t>
+            </a:r>
+            <a:r>
+              <a:rPr lang="en-US" altLang="en-US" sz="2000">
+                <a:latin typeface="Arial Regular" panose="020B0704020202020204" charset="0"/>
+                <a:cs typeface="Arial Regular" panose="020B0704020202020204" charset="0"/>
+              </a:rPr>
+              <a:t>for short-term loans.</a:t>
+            </a:r>
+            <a:endParaRPr lang="en-US" altLang="en-US" sz="2000">
+              <a:latin typeface="Arial Regular" panose="020B0704020202020204" charset="0"/>
+              <a:cs typeface="Arial Regular" panose="020B0704020202020204" charset="0"/>
+            </a:endParaRPr>
+          </a:p>
+          <a:p>
+            <a:pPr>
+              <a:lnSpc>
+                <a:spcPct val="100000"/>
+              </a:lnSpc>
+              <a:spcAft>
+                <a:spcPts val="1000"/>
+              </a:spcAft>
+            </a:pPr>
+            <a:r>
+              <a:rPr lang="en-US" altLang="en-US" sz="2000">
+                <a:latin typeface="Arial Regular" panose="020B0704020202020204" charset="0"/>
+                <a:cs typeface="Arial Regular" panose="020B0704020202020204" charset="0"/>
+              </a:rPr>
+              <a:t>Set portfolio concentration limits at 15-20% for high-risk customers, reallocating capacity to lower-risk long-term corporate structures.</a:t>
+            </a:r>
+            <a:endParaRPr lang="en-US" altLang="en-US" sz="2000">
+              <a:latin typeface="Arial Regular" panose="020B0704020202020204" charset="0"/>
+              <a:cs typeface="Arial Regular" panose="020B0704020202020204" charset="0"/>
+            </a:endParaRPr>
+          </a:p>
+          <a:p>
+            <a:pPr>
+              <a:lnSpc>
+                <a:spcPct val="100000"/>
+              </a:lnSpc>
+              <a:spcAft>
+                <a:spcPts val="1000"/>
+              </a:spcAft>
+            </a:pPr>
+            <a:r>
+              <a:rPr lang="en-US" altLang="en-US" sz="2000">
+                <a:latin typeface="Arial Regular" panose="020B0704020202020204" charset="0"/>
+                <a:cs typeface="Arial Regular" panose="020B0704020202020204" charset="0"/>
+              </a:rPr>
+              <a:t>Implement early warning dashboards flagging high-risk combos (short term + high rate + Southeast + individual), routing to manual review before approval.</a:t>
+            </a:r>
+            <a:endParaRPr lang="en-US" altLang="en-US" sz="2000">
+              <a:latin typeface="Arial Regular" panose="020B0704020202020204" charset="0"/>
+              <a:cs typeface="Arial Regular" panose="020B0704020202020204" charset="0"/>
+            </a:endParaRPr>
+          </a:p>
+        </p:txBody>
+      </p:sp>
+    </p:spTree>
+  </p:cSld>
+  <p:clrMapOvr>
+    <a:masterClrMapping/>
+  </p:clrMapOvr>
+</p:sld>
+</file>
+
+<file path=ppt/slides/slide22.xml><?xml version="1.0" encoding="utf-8"?>
+<p:sld xmlns:a="http://schemas.openxmlformats.org/drawingml/2006/main" xmlns:r="http://schemas.openxmlformats.org/officeDocument/2006/relationships" xmlns:p="http://schemas.openxmlformats.org/presentationml/2006/main">
+  <p:cSld>
+    <p:bg>
+      <p:bgPr>
+        <a:solidFill>
+          <a:schemeClr val="tx2">
+            <a:lumMod val="40000"/>
+            <a:lumOff val="60000"/>
+          </a:schemeClr>
+        </a:solidFill>
+        <a:effectLst/>
+      </p:bgPr>
+    </p:bg>
+    <p:spTree>
+      <p:nvGrpSpPr>
+        <p:cNvPr id="1" name=""/>
+        <p:cNvGrpSpPr/>
+        <p:nvPr/>
+      </p:nvGrpSpPr>
+      <p:grpSpPr/>
+      <p:sp>
+        <p:nvSpPr>
+          <p:cNvPr id="2" name="Title 1"/>
+          <p:cNvSpPr>
+            <a:spLocks noGrp="1"/>
+          </p:cNvSpPr>
+          <p:nvPr>
+            <p:ph type="title"/>
+          </p:nvPr>
+        </p:nvSpPr>
+        <p:spPr>
+          <a:xfrm>
+            <a:off x="386080" y="365125"/>
+            <a:ext cx="11306810" cy="1325880"/>
+          </a:xfrm>
+        </p:spPr>
+        <p:txBody>
+          <a:bodyPr/>
+          <a:p>
+            <a:pPr algn="ctr"/>
+            <a:r>
+              <a:rPr lang="en-US" b="1">
+                <a:latin typeface="Arial Bold" panose="020B0704020202020204" charset="0"/>
+                <a:cs typeface="Arial Bold" panose="020B0704020202020204" charset="0"/>
+              </a:rPr>
+              <a:t>Model Limitation and Risks</a:t>
+            </a:r>
+            <a:endParaRPr lang="en-US" b="1">
+              <a:latin typeface="Arial Bold" panose="020B0704020202020204" charset="0"/>
+              <a:cs typeface="Arial Bold" panose="020B0704020202020204" charset="0"/>
+            </a:endParaRPr>
+          </a:p>
+        </p:txBody>
+      </p:sp>
+      <p:sp>
+        <p:nvSpPr>
+          <p:cNvPr id="3" name="Content Placeholder 2"/>
+          <p:cNvSpPr>
+            <a:spLocks noGrp="1"/>
+          </p:cNvSpPr>
+          <p:nvPr>
+            <p:ph idx="1"/>
+          </p:nvPr>
+        </p:nvSpPr>
+        <p:spPr>
+          <a:xfrm>
+            <a:off x="386080" y="1931670"/>
+            <a:ext cx="11306810" cy="2994660"/>
+          </a:xfrm>
+        </p:spPr>
+        <p:txBody>
+          <a:bodyPr/>
+          <a:p>
+            <a:pPr>
+              <a:lnSpc>
+                <a:spcPct val="100000"/>
+              </a:lnSpc>
+              <a:spcAft>
+                <a:spcPts val="1000"/>
+              </a:spcAft>
+            </a:pPr>
+            <a:r>
+              <a:rPr lang="en-US" sz="2400">
+                <a:latin typeface="Arial Regular" panose="020B0704020202020204" charset="0"/>
+                <a:cs typeface="Arial Regular" panose="020B0704020202020204" charset="0"/>
+              </a:rPr>
+              <a:t>Change in economic trends like recession, COVID, government schemes, will affect the model performance as model monitoring is not implemented.</a:t>
+            </a:r>
+            <a:endParaRPr lang="en-US" sz="2400">
+              <a:latin typeface="Arial Regular" panose="020B0704020202020204" charset="0"/>
+              <a:cs typeface="Arial Regular" panose="020B0704020202020204" charset="0"/>
+            </a:endParaRPr>
+          </a:p>
+          <a:p>
+            <a:pPr>
+              <a:lnSpc>
+                <a:spcPct val="100000"/>
+              </a:lnSpc>
+              <a:spcAft>
+                <a:spcPts val="1000"/>
+              </a:spcAft>
+            </a:pPr>
+            <a:r>
+              <a:rPr lang="en-US" sz="2400">
+                <a:latin typeface="Arial Regular" panose="020B0704020202020204" charset="0"/>
+                <a:cs typeface="Arial Regular" panose="020B0704020202020204" charset="0"/>
+              </a:rPr>
+              <a:t>XGBoost model is not interprettable and requires SHAP for insights.</a:t>
+            </a:r>
+            <a:endParaRPr lang="en-US" sz="2400">
+              <a:latin typeface="Arial Regular" panose="020B0704020202020204" charset="0"/>
+              <a:cs typeface="Arial Regular" panose="020B0704020202020204" charset="0"/>
+            </a:endParaRPr>
+          </a:p>
+          <a:p>
+            <a:pPr>
+              <a:lnSpc>
+                <a:spcPct val="100000"/>
+              </a:lnSpc>
+              <a:spcAft>
+                <a:spcPts val="1000"/>
+              </a:spcAft>
+            </a:pPr>
+            <a:r>
+              <a:rPr lang="en-US" sz="2400">
+                <a:latin typeface="Arial Regular" panose="020B0704020202020204" charset="0"/>
+                <a:cs typeface="Arial Regular" panose="020B0704020202020204" charset="0"/>
+              </a:rPr>
+              <a:t>The dataset does not have credit score feature thus a customer with a good credit score but, high-risk combo has higher probablity of falling in the default category.</a:t>
+            </a:r>
+            <a:endParaRPr lang="en-US" sz="2400">
+              <a:latin typeface="Arial Regular" panose="020B0704020202020204" charset="0"/>
+              <a:cs typeface="Arial Regular" panose="020B0704020202020204" charset="0"/>
+            </a:endParaRPr>
+          </a:p>
+        </p:txBody>
+      </p:sp>
+    </p:spTree>
+  </p:cSld>
+  <p:clrMapOvr>
+    <a:masterClrMapping/>
+  </p:clrMapOvr>
+</p:sld>
+</file>
+
+<file path=ppt/slides/slide23.xml><?xml version="1.0" encoding="utf-8"?>
+<p:sld xmlns:a="http://schemas.openxmlformats.org/drawingml/2006/main" xmlns:r="http://schemas.openxmlformats.org/officeDocument/2006/relationships" xmlns:p="http://schemas.openxmlformats.org/presentationml/2006/main">
+  <p:cSld>
+    <p:bg>
+      <p:bgPr>
+        <a:solidFill>
+          <a:schemeClr val="tx2">
+            <a:lumMod val="40000"/>
+            <a:lumOff val="60000"/>
+          </a:schemeClr>
+        </a:solidFill>
+        <a:effectLst/>
+      </p:bgPr>
+    </p:bg>
+    <p:spTree>
+      <p:nvGrpSpPr>
+        <p:cNvPr id="1" name=""/>
+        <p:cNvGrpSpPr/>
+        <p:nvPr/>
+      </p:nvGrpSpPr>
+      <p:grpSpPr/>
+      <p:sp>
+        <p:nvSpPr>
+          <p:cNvPr id="2" name="Title 1"/>
+          <p:cNvSpPr>
+            <a:spLocks noGrp="1"/>
+          </p:cNvSpPr>
+          <p:nvPr>
+            <p:ph type="title"/>
+          </p:nvPr>
+        </p:nvSpPr>
+        <p:spPr/>
+        <p:txBody>
+          <a:bodyPr/>
+          <a:p>
+            <a:pPr algn="ctr"/>
+            <a:r>
+              <a:rPr lang="en-US" b="1">
+                <a:latin typeface="Arial Bold" panose="020B0704020202020204" charset="0"/>
+                <a:cs typeface="Arial Bold" panose="020B0704020202020204" charset="0"/>
+              </a:rPr>
+              <a:t>Next Steps</a:t>
+            </a:r>
+            <a:endParaRPr lang="en-US" b="1">
+              <a:latin typeface="Arial Bold" panose="020B0704020202020204" charset="0"/>
+              <a:cs typeface="Arial Bold" panose="020B0704020202020204" charset="0"/>
+            </a:endParaRPr>
+          </a:p>
+        </p:txBody>
+      </p:sp>
+      <p:sp>
+        <p:nvSpPr>
+          <p:cNvPr id="3" name="Content Placeholder 2"/>
+          <p:cNvSpPr>
+            <a:spLocks noGrp="1"/>
+          </p:cNvSpPr>
+          <p:nvPr>
+            <p:ph idx="1"/>
+          </p:nvPr>
+        </p:nvSpPr>
+        <p:spPr>
+          <a:xfrm>
+            <a:off x="838200" y="1825625"/>
+            <a:ext cx="10515600" cy="2917190"/>
+          </a:xfrm>
+        </p:spPr>
+        <p:txBody>
+          <a:bodyPr/>
+          <a:p>
+            <a:pPr>
+              <a:lnSpc>
+                <a:spcPct val="150000"/>
+              </a:lnSpc>
+            </a:pPr>
+            <a:r>
+              <a:rPr lang="en-US" sz="2400">
+                <a:latin typeface="Arial Regular" panose="020B0704020202020204" charset="0"/>
+                <a:cs typeface="Arial Regular" panose="020B0704020202020204" charset="0"/>
+              </a:rPr>
+              <a:t>Deploy the model and implement monitoring for detecting data drifts</a:t>
+            </a:r>
+            <a:endParaRPr lang="en-US" sz="2400">
+              <a:latin typeface="Arial Regular" panose="020B0704020202020204" charset="0"/>
+              <a:cs typeface="Arial Regular" panose="020B0704020202020204" charset="0"/>
+            </a:endParaRPr>
+          </a:p>
+          <a:p>
+            <a:pPr>
+              <a:lnSpc>
+                <a:spcPct val="150000"/>
+              </a:lnSpc>
+            </a:pPr>
+            <a:r>
+              <a:rPr lang="en-US" sz="2400">
+                <a:latin typeface="Arial Regular" panose="020B0704020202020204" charset="0"/>
+                <a:cs typeface="Arial Regular" panose="020B0704020202020204" charset="0"/>
+              </a:rPr>
+              <a:t>Develop model based business products:</a:t>
+            </a:r>
+            <a:endParaRPr lang="en-US" sz="2400">
+              <a:latin typeface="Arial Regular" panose="020B0704020202020204" charset="0"/>
+              <a:cs typeface="Arial Regular" panose="020B0704020202020204" charset="0"/>
+            </a:endParaRPr>
+          </a:p>
+          <a:p>
+            <a:pPr lvl="1">
+              <a:lnSpc>
+                <a:spcPct val="150000"/>
+              </a:lnSpc>
+            </a:pPr>
+            <a:r>
+              <a:rPr lang="en-US" sz="2000">
+                <a:latin typeface="Arial Regular" panose="020B0704020202020204" charset="0"/>
+                <a:cs typeface="Arial Regular" panose="020B0704020202020204" charset="0"/>
+              </a:rPr>
+              <a:t>Risk based pricing</a:t>
+            </a:r>
+            <a:endParaRPr lang="en-US" sz="2000">
+              <a:latin typeface="Arial Regular" panose="020B0704020202020204" charset="0"/>
+              <a:cs typeface="Arial Regular" panose="020B0704020202020204" charset="0"/>
+            </a:endParaRPr>
+          </a:p>
+          <a:p>
+            <a:pPr lvl="1">
+              <a:lnSpc>
+                <a:spcPct val="150000"/>
+              </a:lnSpc>
+            </a:pPr>
+            <a:r>
+              <a:rPr lang="en-US" sz="2000">
+                <a:latin typeface="Arial Regular" panose="020B0704020202020204" charset="0"/>
+                <a:cs typeface="Arial Regular" panose="020B0704020202020204" charset="0"/>
+              </a:rPr>
+              <a:t>Tighten underwriting rules: Auto-reject if risk is very high</a:t>
+            </a:r>
+            <a:endParaRPr lang="en-US" sz="2000">
+              <a:latin typeface="Arial Regular" panose="020B0704020202020204" charset="0"/>
+              <a:cs typeface="Arial Regular" panose="020B0704020202020204" charset="0"/>
+            </a:endParaRPr>
+          </a:p>
+          <a:p>
+            <a:pPr lvl="1">
+              <a:lnSpc>
+                <a:spcPct val="150000"/>
+              </a:lnSpc>
+            </a:pPr>
+            <a:r>
+              <a:rPr lang="en-US" sz="2000">
+                <a:latin typeface="Arial Regular" panose="020B0704020202020204" charset="0"/>
+                <a:cs typeface="Arial Regular" panose="020B0704020202020204" charset="0"/>
+              </a:rPr>
+              <a:t>Cap portfolio concentration at ~20% based on risks</a:t>
+            </a:r>
+            <a:endParaRPr lang="en-US" sz="2000">
+              <a:latin typeface="Arial Regular" panose="020B0704020202020204" charset="0"/>
+              <a:cs typeface="Arial Regular" panose="020B0704020202020204" charset="0"/>
+            </a:endParaRPr>
+          </a:p>
+        </p:txBody>
+      </p:sp>
+    </p:spTree>
+  </p:cSld>
+  <p:clrMapOvr>
+    <a:masterClrMapping/>
+  </p:clrMapOvr>
+</p:sld>
+</file>
+
+<file path=ppt/slides/slide24.xml><?xml version="1.0" encoding="utf-8"?>
+<p:sld xmlns:a="http://schemas.openxmlformats.org/drawingml/2006/main" xmlns:r="http://schemas.openxmlformats.org/officeDocument/2006/relationships" xmlns:p="http://schemas.openxmlformats.org/presentationml/2006/main">
+  <p:cSld>
+    <p:bg>
+      <p:bgPr>
+        <a:solidFill>
+          <a:schemeClr val="tx2">
+            <a:lumMod val="40000"/>
+            <a:lumOff val="60000"/>
+          </a:schemeClr>
+        </a:solidFill>
+        <a:effectLst/>
+      </p:bgPr>
+    </p:bg>
+    <p:spTree>
+      <p:nvGrpSpPr>
+        <p:cNvPr id="1" name=""/>
+        <p:cNvGrpSpPr/>
+        <p:nvPr/>
+      </p:nvGrpSpPr>
+      <p:grpSpPr/>
+      <p:sp>
+        <p:nvSpPr>
+          <p:cNvPr id="2" name="Title 1"/>
+          <p:cNvSpPr>
+            <a:spLocks noGrp="1"/>
+          </p:cNvSpPr>
+          <p:nvPr>
+            <p:ph type="title"/>
+          </p:nvPr>
+        </p:nvSpPr>
+        <p:spPr>
+          <a:xfrm>
+            <a:off x="928370" y="2766060"/>
+            <a:ext cx="10515600" cy="1325563"/>
+          </a:xfrm>
+        </p:spPr>
+        <p:txBody>
+          <a:bodyPr/>
+          <a:p>
+            <a:pPr algn="ctr"/>
+            <a:r>
+              <a:rPr lang="en-US" b="1">
+                <a:latin typeface="Arial Bold" panose="020B0704020202020204" charset="0"/>
+                <a:cs typeface="Arial Bold" panose="020B0704020202020204" charset="0"/>
+              </a:rPr>
+              <a:t>QUESTIONS?</a:t>
+            </a:r>
+            <a:endParaRPr lang="en-US" b="1">
+              <a:latin typeface="Arial Bold" panose="020B0704020202020204" charset="0"/>
+              <a:cs typeface="Arial Bold" panose="020B0704020202020204" charset="0"/>
             </a:endParaRPr>
           </a:p>
         </p:txBody>
@@ -5085,10 +6211,16 @@
             <p:ph type="title"/>
           </p:nvPr>
         </p:nvSpPr>
-        <p:spPr/>
+        <p:spPr>
+          <a:xfrm>
+            <a:off x="838200" y="365125"/>
+            <a:ext cx="10515600" cy="1325880"/>
+          </a:xfrm>
+        </p:spPr>
         <p:txBody>
           <a:bodyPr/>
           <a:p>
+            <a:pPr algn="ctr"/>
             <a:r>
               <a:rPr lang="en-US" b="1">
                 <a:latin typeface="Arial Bold" panose="020B0704020202020204" charset="0"/>
@@ -5143,7 +6275,7 @@
                 <a:latin typeface="Arial" panose="020B0704020202020204" pitchFamily="34" charset="0"/>
                 <a:cs typeface="Arial" panose="020B0704020202020204" pitchFamily="34" charset="0"/>
               </a:rPr>
-              <a:t>Initially the dataset has 354270 rows and 43 columns</a:t>
+              <a:t>Initially the dataset has 354,270 rows and 43 columns</a:t>
             </a:r>
             <a:endParaRPr lang="en-US" altLang="en-US" sz="2400">
               <a:latin typeface="Arial" panose="020B0704020202020204" pitchFamily="34" charset="0"/>
@@ -5190,6 +6322,9 @@
             </a:endParaRPr>
           </a:p>
           <a:p>
+            <a:pPr marL="0" indent="0">
+              <a:buNone/>
+            </a:pPr>
             <a:endParaRPr lang="en-US" altLang="en-US" sz="2400">
               <a:latin typeface="Arial" panose="020B0704020202020204" pitchFamily="34" charset="0"/>
               <a:cs typeface="Arial" panose="020B0704020202020204" pitchFamily="34" charset="0"/>
@@ -6113,8 +7248,8 @@
             </a:r>
             <a:r>
               <a:rPr lang="en-US" sz="2220" b="1">
-                <a:latin typeface="Arial Regular" panose="020B0704020202020204" charset="0"/>
-                <a:cs typeface="Arial Regular" panose="020B0704020202020204" charset="0"/>
+                <a:latin typeface="Arial Bold" panose="020B0704020202020204" charset="0"/>
+                <a:cs typeface="Arial Bold" panose="020B0704020202020204" charset="0"/>
               </a:rPr>
               <a:t>Ohio</a:t>
             </a:r>
@@ -6141,8 +7276,8 @@
             </a:r>
             <a:r>
               <a:rPr lang="en-US" sz="2220" b="1">
-                <a:latin typeface="Arial Regular" panose="020B0704020202020204" charset="0"/>
-                <a:cs typeface="Arial Regular" panose="020B0704020202020204" charset="0"/>
+                <a:latin typeface="Arial Bold" panose="020B0704020202020204" charset="0"/>
+                <a:cs typeface="Arial Bold" panose="020B0704020202020204" charset="0"/>
               </a:rPr>
               <a:t>California</a:t>
             </a:r>
@@ -6191,7 +7326,7 @@
         </p:blipFill>
         <p:spPr>
           <a:xfrm>
-            <a:off x="1962150" y="850265"/>
+            <a:off x="1956435" y="737235"/>
             <a:ext cx="8267700" cy="4515485"/>
           </a:xfrm>
           <a:prstGeom prst="rect">
